--- a/courses/cse3400-f2025/lecture7.pptx
+++ b/courses/cse3400-f2025/lecture7.pptx
@@ -360,7 +360,7 @@
               <a:pPr>
                 <a:defRPr/>
               </a:pPr>
-              <a:t>10/9/25</a:t>
+              <a:t>10/15/25</a:t>
             </a:fld>
             <a:endParaRPr lang="en-US"/>
           </a:p>
@@ -710,7 +710,7 @@
               <a:pPr>
                 <a:defRPr/>
               </a:pPr>
-              <a:t>10/9/25</a:t>
+              <a:t>10/15/25</a:t>
             </a:fld>
             <a:endParaRPr lang="en-US"/>
           </a:p>
@@ -2185,7 +2185,7 @@
                   <a:spcPct val="0"/>
                 </a:spcBef>
               </a:pPr>
-              <a:t>10/9/25</a:t>
+              <a:t>10/15/25</a:t>
             </a:fld>
             <a:endParaRPr lang="en-US" altLang="en-US" sz="1300"/>
           </a:p>
@@ -4204,7 +4204,7 @@
                   <a:spcPct val="0"/>
                 </a:spcBef>
               </a:pPr>
-              <a:t>10/9/25</a:t>
+              <a:t>10/15/25</a:t>
             </a:fld>
             <a:endParaRPr lang="en-US" altLang="en-US" sz="1300"/>
           </a:p>
@@ -6223,7 +6223,7 @@
                   <a:spcPct val="0"/>
                 </a:spcBef>
               </a:pPr>
-              <a:t>10/9/25</a:t>
+              <a:t>10/15/25</a:t>
             </a:fld>
             <a:endParaRPr lang="en-US" altLang="en-US" sz="1300"/>
           </a:p>
@@ -8242,7 +8242,7 @@
                   <a:spcPct val="0"/>
                 </a:spcBef>
               </a:pPr>
-              <a:t>10/9/25</a:t>
+              <a:t>10/15/25</a:t>
             </a:fld>
             <a:endParaRPr lang="en-US" altLang="en-US" sz="1300"/>
           </a:p>
@@ -10261,7 +10261,7 @@
                   <a:spcPct val="0"/>
                 </a:spcBef>
               </a:pPr>
-              <a:t>10/9/25</a:t>
+              <a:t>10/15/25</a:t>
             </a:fld>
             <a:endParaRPr lang="en-US" altLang="en-US" sz="1300"/>
           </a:p>
@@ -12280,7 +12280,7 @@
                   <a:spcPct val="0"/>
                 </a:spcBef>
               </a:pPr>
-              <a:t>10/9/25</a:t>
+              <a:t>10/15/25</a:t>
             </a:fld>
             <a:endParaRPr lang="en-US" altLang="en-US" sz="1300"/>
           </a:p>
@@ -14299,7 +14299,7 @@
                   <a:spcPct val="0"/>
                 </a:spcBef>
               </a:pPr>
-              <a:t>10/9/25</a:t>
+              <a:t>10/15/25</a:t>
             </a:fld>
             <a:endParaRPr lang="en-US" altLang="en-US" sz="1300"/>
           </a:p>
@@ -17142,7 +17142,7 @@
               <a:pPr>
                 <a:defRPr/>
               </a:pPr>
-              <a:t>10/9/25</a:t>
+              <a:t>10/15/25</a:t>
             </a:fld>
             <a:endParaRPr lang="en-US" altLang="en-US"/>
           </a:p>
@@ -17327,7 +17327,7 @@
               <a:pPr>
                 <a:defRPr/>
               </a:pPr>
-              <a:t>10/9/25</a:t>
+              <a:t>10/15/25</a:t>
             </a:fld>
             <a:endParaRPr lang="en-US" altLang="en-US"/>
           </a:p>
@@ -17569,7 +17569,7 @@
               <a:pPr>
                 <a:defRPr/>
               </a:pPr>
-              <a:t>10/9/25</a:t>
+              <a:t>10/15/25</a:t>
             </a:fld>
             <a:endParaRPr lang="en-US" altLang="en-US"/>
           </a:p>
@@ -17775,7 +17775,7 @@
               <a:pPr>
                 <a:defRPr/>
               </a:pPr>
-              <a:t>10/9/25</a:t>
+              <a:t>10/15/25</a:t>
             </a:fld>
             <a:endParaRPr lang="en-US" altLang="en-US"/>
           </a:p>
@@ -17972,7 +17972,7 @@
               <a:pPr>
                 <a:defRPr/>
               </a:pPr>
-              <a:t>10/9/25</a:t>
+              <a:t>10/15/25</a:t>
             </a:fld>
             <a:endParaRPr lang="en-US" altLang="en-US"/>
           </a:p>
@@ -18265,7 +18265,7 @@
               <a:pPr>
                 <a:defRPr/>
               </a:pPr>
-              <a:t>10/9/25</a:t>
+              <a:t>10/15/25</a:t>
             </a:fld>
             <a:endParaRPr lang="en-US" altLang="en-US"/>
           </a:p>
@@ -18697,7 +18697,7 @@
               <a:pPr>
                 <a:defRPr/>
               </a:pPr>
-              <a:t>10/9/25</a:t>
+              <a:t>10/15/25</a:t>
             </a:fld>
             <a:endParaRPr lang="en-US" altLang="en-US"/>
           </a:p>
@@ -18820,7 +18820,7 @@
               <a:pPr>
                 <a:defRPr/>
               </a:pPr>
-              <a:t>10/9/25</a:t>
+              <a:t>10/15/25</a:t>
             </a:fld>
             <a:endParaRPr lang="en-US" altLang="en-US"/>
           </a:p>
@@ -18920,7 +18920,7 @@
               <a:pPr>
                 <a:defRPr/>
               </a:pPr>
-              <a:t>10/9/25</a:t>
+              <a:t>10/15/25</a:t>
             </a:fld>
             <a:endParaRPr lang="en-US" altLang="en-US"/>
           </a:p>
@@ -19202,7 +19202,7 @@
               <a:pPr>
                 <a:defRPr/>
               </a:pPr>
-              <a:t>10/9/25</a:t>
+              <a:t>10/15/25</a:t>
             </a:fld>
             <a:endParaRPr lang="en-US" altLang="en-US"/>
           </a:p>
@@ -19461,7 +19461,7 @@
               <a:pPr>
                 <a:defRPr/>
               </a:pPr>
-              <a:t>10/9/25</a:t>
+              <a:t>10/15/25</a:t>
             </a:fld>
             <a:endParaRPr lang="en-US" altLang="en-US"/>
           </a:p>
@@ -19785,7 +19785,7 @@
               <a:pPr>
                 <a:defRPr/>
               </a:pPr>
-              <a:t>10/9/25</a:t>
+              <a:t>10/15/25</a:t>
             </a:fld>
             <a:endParaRPr lang="en-US" altLang="en-US"/>
           </a:p>
@@ -21073,8 +21073,8 @@
         </p:nvSpPr>
         <p:spPr>
           <a:xfrm>
-            <a:off x="261938" y="1016000"/>
-            <a:ext cx="8591550" cy="2110451"/>
+            <a:off x="276225" y="1362833"/>
+            <a:ext cx="8591550" cy="2541338"/>
           </a:xfrm>
           <a:extLst>
             <a:ext uri="{91240B29-F687-4F45-9708-019B960494DF}">
@@ -21114,12 +21114,8 @@
               </a:tabLst>
             </a:pPr>
             <a:r>
-              <a:rPr lang="en-GB" altLang="en-US" sz="2200" dirty="0"/>
-              <a:t>Aka </a:t>
-            </a:r>
-            <a:r>
               <a:rPr lang="en-GB" altLang="en-US" sz="2400" dirty="0"/>
-              <a:t>Merkle - </a:t>
+              <a:t>Aka Merkle - </a:t>
             </a:r>
             <a:r>
               <a:rPr lang="en-GB" altLang="en-US" sz="2400" dirty="0" err="1"/>
@@ -21129,7 +21125,6 @@
               <a:rPr lang="en-GB" altLang="en-US" sz="2400" dirty="0"/>
               <a:t> Strengthening </a:t>
             </a:r>
-            <a:endParaRPr lang="en-GB" altLang="en-US" sz="2200" dirty="0"/>
           </a:p>
           <a:p>
             <a:pPr marL="341313" indent="-341313" defTabSz="449263" eaLnBrk="1" hangingPunct="1">
@@ -21151,52 +21146,52 @@
               </a:tabLst>
             </a:pPr>
             <a:r>
-              <a:rPr lang="en-GB" altLang="en-US" sz="2200" dirty="0"/>
+              <a:rPr lang="en-GB" altLang="en-US" sz="2300" dirty="0"/>
               <a:t>Let </a:t>
             </a:r>
             <a:r>
-              <a:rPr lang="en-GB" altLang="en-US" sz="2200" i="1" dirty="0">
+              <a:rPr lang="en-GB" altLang="en-US" sz="2300" i="1" dirty="0">
                 <a:latin typeface="Times New Roman" pitchFamily="18" charset="0"/>
                 <a:cs typeface="Times New Roman" pitchFamily="18" charset="0"/>
               </a:rPr>
               <a:t>pad(x)=1||0</a:t>
             </a:r>
             <a:r>
-              <a:rPr lang="en-GB" altLang="en-US" sz="2200" i="1" baseline="30000" dirty="0">
+              <a:rPr lang="en-GB" altLang="en-US" sz="2300" i="1" baseline="30000" dirty="0">
                 <a:latin typeface="Times New Roman" pitchFamily="18" charset="0"/>
                 <a:cs typeface="Times New Roman" pitchFamily="18" charset="0"/>
               </a:rPr>
               <a:t>k</a:t>
             </a:r>
             <a:r>
-              <a:rPr lang="en-GB" altLang="en-US" sz="2200" i="1" dirty="0">
+              <a:rPr lang="en-GB" altLang="en-US" sz="2300" i="1" dirty="0">
                 <a:latin typeface="Times New Roman" pitchFamily="18" charset="0"/>
                 <a:cs typeface="Times New Roman" pitchFamily="18" charset="0"/>
               </a:rPr>
               <a:t>||</a:t>
             </a:r>
             <a:r>
-              <a:rPr lang="en-GB" altLang="en-US" sz="2200" dirty="0">
+              <a:rPr lang="en-GB" altLang="en-US" sz="2300" dirty="0">
                 <a:latin typeface="Times New Roman" pitchFamily="18" charset="0"/>
                 <a:cs typeface="Times New Roman" pitchFamily="18" charset="0"/>
               </a:rPr>
               <a:t>bin</a:t>
             </a:r>
             <a:r>
-              <a:rPr lang="en-GB" altLang="en-US" sz="2200" i="1" baseline="-25000" dirty="0">
+              <a:rPr lang="en-GB" altLang="en-US" sz="2300" i="1" baseline="-25000" dirty="0">
                 <a:latin typeface="Times New Roman" pitchFamily="18" charset="0"/>
                 <a:cs typeface="Times New Roman" pitchFamily="18" charset="0"/>
               </a:rPr>
               <a:t> </a:t>
             </a:r>
             <a:r>
-              <a:rPr lang="en-GB" altLang="en-US" sz="2200" i="1" dirty="0">
+              <a:rPr lang="en-GB" altLang="en-US" sz="2300" i="1" dirty="0">
                 <a:latin typeface="Times New Roman" pitchFamily="18" charset="0"/>
                 <a:cs typeface="Times New Roman" pitchFamily="18" charset="0"/>
               </a:rPr>
               <a:t>(|x|) ; x’=x||pad(x)</a:t>
             </a:r>
-            <a:endParaRPr lang="en-GB" altLang="en-US" sz="2100" dirty="0"/>
+            <a:endParaRPr lang="en-GB" altLang="en-US" sz="2300" dirty="0"/>
           </a:p>
           <a:p>
             <a:pPr marL="741363" lvl="1" indent="-284163" defTabSz="449263" eaLnBrk="1" hangingPunct="1">
@@ -21218,47 +21213,47 @@
               </a:tabLst>
             </a:pPr>
             <a:r>
-              <a:rPr lang="en-GB" altLang="en-US" sz="2100" dirty="0"/>
+              <a:rPr lang="en-GB" altLang="en-US" sz="2300" dirty="0"/>
               <a:t>Where </a:t>
             </a:r>
             <a:r>
-              <a:rPr lang="en-GB" altLang="en-US" sz="2100" i="1" dirty="0">
+              <a:rPr lang="en-GB" altLang="en-US" sz="2300" i="1" dirty="0">
                 <a:latin typeface="Times New Roman" pitchFamily="18" charset="0"/>
                 <a:cs typeface="Times New Roman" pitchFamily="18" charset="0"/>
               </a:rPr>
               <a:t>bin</a:t>
             </a:r>
             <a:r>
-              <a:rPr lang="en-GB" altLang="en-US" sz="2100" i="1" baseline="-25000" dirty="0">
+              <a:rPr lang="en-GB" altLang="en-US" sz="2300" i="1" baseline="-25000" dirty="0">
                 <a:latin typeface="Times New Roman" pitchFamily="18" charset="0"/>
                 <a:cs typeface="Times New Roman" pitchFamily="18" charset="0"/>
               </a:rPr>
               <a:t> </a:t>
             </a:r>
             <a:r>
-              <a:rPr lang="en-GB" altLang="en-US" sz="2100" i="1" dirty="0">
+              <a:rPr lang="en-GB" altLang="en-US" sz="2300" i="1" dirty="0">
                 <a:latin typeface="Times New Roman" pitchFamily="18" charset="0"/>
                 <a:cs typeface="Times New Roman" pitchFamily="18" charset="0"/>
               </a:rPr>
               <a:t>(|x|) </a:t>
             </a:r>
             <a:r>
-              <a:rPr lang="en-GB" altLang="en-US" sz="2100" dirty="0"/>
+              <a:rPr lang="en-GB" altLang="en-US" sz="2300" dirty="0"/>
               <a:t>is the </a:t>
             </a:r>
             <a:r>
-              <a:rPr lang="en-GB" altLang="en-US" sz="2100" i="1" dirty="0">
+              <a:rPr lang="en-GB" altLang="en-US" sz="2300" i="1" dirty="0">
                 <a:latin typeface="Times New Roman" pitchFamily="18" charset="0"/>
                 <a:cs typeface="Times New Roman" pitchFamily="18" charset="0"/>
               </a:rPr>
               <a:t>n</a:t>
             </a:r>
             <a:r>
-              <a:rPr lang="en-GB" altLang="en-US" sz="2100" dirty="0"/>
+              <a:rPr lang="en-GB" altLang="en-US" sz="2300" dirty="0"/>
               <a:t>–bit binary representation of </a:t>
             </a:r>
             <a:r>
-              <a:rPr lang="en-GB" altLang="en-US" sz="2100" i="1" dirty="0">
+              <a:rPr lang="en-GB" altLang="en-US" sz="2300" i="1" dirty="0">
                 <a:latin typeface="Times New Roman" pitchFamily="18" charset="0"/>
                 <a:cs typeface="Times New Roman" pitchFamily="18" charset="0"/>
               </a:rPr>
@@ -21285,119 +21280,119 @@
               </a:tabLst>
             </a:pPr>
             <a:r>
-              <a:rPr lang="en-GB" altLang="en-US" sz="2200" dirty="0"/>
+              <a:rPr lang="en-GB" altLang="en-US" sz="2300" dirty="0"/>
               <a:t>For </a:t>
             </a:r>
             <a:r>
-              <a:rPr lang="en-GB" altLang="en-US" sz="2200" i="1" dirty="0" err="1">
+              <a:rPr lang="en-GB" altLang="en-US" sz="2300" i="1" dirty="0" err="1">
                 <a:latin typeface="Times New Roman" pitchFamily="18" charset="0"/>
                 <a:cs typeface="Times New Roman" pitchFamily="18" charset="0"/>
               </a:rPr>
               <a:t>i</a:t>
             </a:r>
             <a:r>
-              <a:rPr lang="en-GB" altLang="en-US" sz="2200" i="1" dirty="0">
+              <a:rPr lang="en-GB" altLang="en-US" sz="2300" i="1" dirty="0">
                 <a:latin typeface="Times New Roman" pitchFamily="18" charset="0"/>
                 <a:cs typeface="Times New Roman" pitchFamily="18" charset="0"/>
               </a:rPr>
               <a:t>=1, ..., l, </a:t>
             </a:r>
             <a:r>
-              <a:rPr lang="en-GB" altLang="en-US" sz="2200" dirty="0">
+              <a:rPr lang="en-GB" altLang="en-US" sz="2300" dirty="0">
                 <a:latin typeface="Times New Roman" pitchFamily="18" charset="0"/>
                 <a:cs typeface="Times New Roman" pitchFamily="18" charset="0"/>
               </a:rPr>
               <a:t>where</a:t>
             </a:r>
             <a:r>
-              <a:rPr lang="en-GB" altLang="en-US" sz="2200" i="1" dirty="0">
+              <a:rPr lang="en-GB" altLang="en-US" sz="2300" i="1" dirty="0">
                 <a:latin typeface="Times New Roman" pitchFamily="18" charset="0"/>
                 <a:cs typeface="Times New Roman" pitchFamily="18" charset="0"/>
               </a:rPr>
               <a:t> l = |x’|/n,  </a:t>
             </a:r>
             <a:r>
-              <a:rPr lang="en-GB" altLang="en-US" sz="2200" dirty="0">
+              <a:rPr lang="en-GB" altLang="en-US" sz="2300" dirty="0">
                 <a:latin typeface="Times New Roman" pitchFamily="18" charset="0"/>
                 <a:cs typeface="Times New Roman" pitchFamily="18" charset="0"/>
               </a:rPr>
               <a:t>and let</a:t>
             </a:r>
             <a:r>
-              <a:rPr lang="en-GB" altLang="en-US" sz="2200" dirty="0"/>
+              <a:rPr lang="en-GB" altLang="en-US" sz="2300" dirty="0"/>
               <a:t> </a:t>
             </a:r>
             <a:r>
-              <a:rPr lang="en-GB" altLang="en-US" sz="2200" i="1" dirty="0" err="1">
+              <a:rPr lang="en-GB" altLang="en-US" sz="2300" i="1" dirty="0" err="1">
                 <a:latin typeface="Times New Roman" pitchFamily="18" charset="0"/>
                 <a:cs typeface="Times New Roman" pitchFamily="18" charset="0"/>
               </a:rPr>
               <a:t>x’</a:t>
             </a:r>
             <a:r>
-              <a:rPr lang="en-GB" altLang="en-US" sz="2200" i="1" baseline="-25000" dirty="0" err="1">
+              <a:rPr lang="en-GB" altLang="en-US" sz="2300" i="1" baseline="-25000" dirty="0" err="1">
                 <a:latin typeface="Times New Roman" pitchFamily="18" charset="0"/>
                 <a:cs typeface="Times New Roman" pitchFamily="18" charset="0"/>
               </a:rPr>
               <a:t>i</a:t>
             </a:r>
             <a:r>
-              <a:rPr lang="en-GB" altLang="en-US" sz="2200" i="1" baseline="-25000" dirty="0">
+              <a:rPr lang="en-GB" altLang="en-US" sz="2300" i="1" baseline="-25000" dirty="0">
                 <a:latin typeface="Times New Roman" pitchFamily="18" charset="0"/>
                 <a:cs typeface="Times New Roman" pitchFamily="18" charset="0"/>
               </a:rPr>
               <a:t> </a:t>
             </a:r>
             <a:r>
-              <a:rPr lang="en-GB" altLang="en-US" sz="2200" i="1" dirty="0">
+              <a:rPr lang="en-GB" altLang="en-US" sz="2300" i="1" dirty="0">
                 <a:latin typeface="Times New Roman" pitchFamily="18" charset="0"/>
                 <a:cs typeface="Times New Roman" pitchFamily="18" charset="0"/>
               </a:rPr>
               <a:t>is the </a:t>
             </a:r>
             <a:r>
-              <a:rPr lang="en-GB" altLang="en-US" sz="2200" i="1" dirty="0" err="1">
+              <a:rPr lang="en-GB" altLang="en-US" sz="2300" i="1" dirty="0" err="1">
                 <a:latin typeface="Times New Roman" pitchFamily="18" charset="0"/>
                 <a:cs typeface="Times New Roman" pitchFamily="18" charset="0"/>
               </a:rPr>
               <a:t>i</a:t>
             </a:r>
             <a:r>
-              <a:rPr lang="en-GB" altLang="en-US" sz="2200" i="1" baseline="30000" dirty="0" err="1">
+              <a:rPr lang="en-GB" altLang="en-US" sz="2300" i="1" baseline="30000" dirty="0" err="1">
                 <a:latin typeface="Times New Roman" pitchFamily="18" charset="0"/>
                 <a:cs typeface="Times New Roman" pitchFamily="18" charset="0"/>
               </a:rPr>
               <a:t>th</a:t>
             </a:r>
             <a:r>
-              <a:rPr lang="en-GB" altLang="en-US" sz="2200" i="1" dirty="0">
+              <a:rPr lang="en-GB" altLang="en-US" sz="2300" i="1" dirty="0">
                 <a:latin typeface="Times New Roman" pitchFamily="18" charset="0"/>
                 <a:cs typeface="Times New Roman" pitchFamily="18" charset="0"/>
               </a:rPr>
               <a:t> n-</a:t>
             </a:r>
             <a:r>
-              <a:rPr lang="en-GB" altLang="en-US" sz="2200" dirty="0">
+              <a:rPr lang="en-GB" altLang="en-US" sz="2300" dirty="0">
                 <a:latin typeface="Times New Roman" pitchFamily="18" charset="0"/>
                 <a:cs typeface="Times New Roman" pitchFamily="18" charset="0"/>
               </a:rPr>
               <a:t>bit block of </a:t>
             </a:r>
             <a:r>
-              <a:rPr lang="en-GB" altLang="en-US" sz="2200" i="1" dirty="0">
+              <a:rPr lang="en-GB" altLang="en-US" sz="2300" i="1" dirty="0">
                 <a:latin typeface="Times New Roman" pitchFamily="18" charset="0"/>
                 <a:cs typeface="Times New Roman" pitchFamily="18" charset="0"/>
               </a:rPr>
               <a:t>x’</a:t>
             </a:r>
             <a:r>
-              <a:rPr lang="en-GB" altLang="en-US" sz="2200" i="1" baseline="-25000" dirty="0">
+              <a:rPr lang="en-GB" altLang="en-US" sz="2300" i="1" baseline="-25000" dirty="0">
                 <a:latin typeface="Times New Roman" pitchFamily="18" charset="0"/>
                 <a:cs typeface="Times New Roman" pitchFamily="18" charset="0"/>
               </a:rPr>
               <a:t>.</a:t>
             </a:r>
-            <a:endParaRPr lang="en-GB" altLang="en-US" sz="2200" i="1" dirty="0">
+            <a:endParaRPr lang="en-GB" altLang="en-US" sz="2300" i="1" dirty="0">
               <a:latin typeface="Times New Roman" pitchFamily="18" charset="0"/>
               <a:cs typeface="Times New Roman" pitchFamily="18" charset="0"/>
             </a:endParaRPr>
@@ -21422,17 +21417,17 @@
               </a:tabLst>
             </a:pPr>
             <a:r>
-              <a:rPr lang="en-GB" altLang="en-US" sz="2200" dirty="0"/>
+              <a:rPr lang="en-GB" altLang="en-US" sz="2300" dirty="0"/>
               <a:t>Apply the construction in the prior slide to obtain the digest of </a:t>
             </a:r>
             <a:r>
-              <a:rPr lang="en-GB" altLang="en-US" sz="2200" i="1" dirty="0">
+              <a:rPr lang="en-GB" altLang="en-US" sz="2300" i="1" dirty="0">
                 <a:latin typeface="Times New Roman" pitchFamily="18" charset="0"/>
                 <a:cs typeface="Times New Roman" pitchFamily="18" charset="0"/>
               </a:rPr>
               <a:t>x’</a:t>
             </a:r>
-            <a:endParaRPr lang="en-GB" altLang="en-US" sz="2200" i="1" baseline="-25000" dirty="0">
+            <a:endParaRPr lang="en-GB" altLang="en-US" sz="2300" i="1" baseline="-25000" dirty="0">
               <a:latin typeface="Times New Roman" pitchFamily="18" charset="0"/>
               <a:cs typeface="Times New Roman" pitchFamily="18" charset="0"/>
             </a:endParaRPr>
@@ -21691,7 +21686,7 @@
         </p:nvSpPr>
         <p:spPr bwMode="auto">
           <a:xfrm>
-            <a:off x="372140" y="3758675"/>
+            <a:off x="372140" y="4332159"/>
             <a:ext cx="8481348" cy="796245"/>
           </a:xfrm>
           <a:prstGeom prst="rect">
@@ -37821,8 +37816,8 @@
           </a:p>
         </p:txBody>
       </p:sp>
-      <mc:AlternateContent xmlns:mc="http://schemas.openxmlformats.org/markup-compatibility/2006">
-        <mc:Choice xmlns:a14="http://schemas.microsoft.com/office/drawing/2010/main" Requires="a14">
+      <mc:AlternateContent xmlns:mc="http://schemas.openxmlformats.org/markup-compatibility/2006" xmlns:a14="http://schemas.microsoft.com/office/drawing/2010/main">
+        <mc:Choice Requires="a14">
           <p:sp>
             <p:nvSpPr>
               <p:cNvPr id="95" name="TextBox 94"/>
@@ -37866,7 +37861,7 @@
             </p:txBody>
           </p:sp>
         </mc:Choice>
-        <mc:Fallback>
+        <mc:Fallback xmlns="">
           <p:sp>
             <p:nvSpPr>
               <p:cNvPr id="95" name="TextBox 94"/>
@@ -41033,16 +41028,10 @@
               <a:buChar char="q"/>
             </a:pPr>
             <a:r>
-              <a:rPr lang="en-US" altLang="he-IL" sz="2200" dirty="0" err="1">
-                <a:sym typeface="Wingdings" panose="05000000000000000000" pitchFamily="2" charset="2"/>
-              </a:rPr>
-              <a:t>Seperate</a:t>
-            </a:r>
-            <a:r>
               <a:rPr lang="en-US" altLang="he-IL" sz="2200" dirty="0">
                 <a:sym typeface="Wingdings" panose="05000000000000000000" pitchFamily="2" charset="2"/>
               </a:rPr>
-              <a:t> slide set.</a:t>
+              <a:t>Separate slide set.</a:t>
             </a:r>
             <a:endParaRPr lang="en-US" altLang="he-IL" dirty="0"/>
           </a:p>
@@ -41681,7 +41670,7 @@
               <a:buChar char="q"/>
             </a:pPr>
             <a:r>
-              <a:rPr lang="en-US" altLang="he-IL" dirty="0">
+              <a:rPr lang="en-US" altLang="he-IL" sz="2600" dirty="0">
                 <a:sym typeface="Wingdings" panose="05000000000000000000" pitchFamily="2" charset="2"/>
               </a:rPr>
               <a:t>Chapter 3: Sections 3.7, 3.8, and 3.9</a:t>
@@ -41702,12 +41691,12 @@
               <a:buChar char="q"/>
             </a:pPr>
             <a:r>
-              <a:rPr lang="en-US" altLang="he-IL" dirty="0">
+              <a:rPr lang="en-US" altLang="he-IL" sz="2600" dirty="0">
                 <a:sym typeface="Wingdings" panose="05000000000000000000" pitchFamily="2" charset="2"/>
               </a:rPr>
               <a:t>Chapter 4: Section 4.4.5</a:t>
             </a:r>
-            <a:endParaRPr lang="en-US" altLang="he-IL" dirty="0"/>
+            <a:endParaRPr lang="en-US" altLang="he-IL" sz="2600" dirty="0"/>
           </a:p>
         </p:txBody>
       </p:sp>
@@ -43328,7 +43317,7 @@
               </a:tabLst>
             </a:pPr>
             <a:r>
-              <a:rPr lang="en-GB" altLang="en-US" sz="2600" dirty="0"/>
+              <a:rPr lang="en-GB" altLang="en-US" sz="2500" dirty="0"/>
               <a:t>Hash-based MAC is often faster than block cipher-based MACs. </a:t>
             </a:r>
           </a:p>
@@ -43355,7 +43344,7 @@
               </a:tabLst>
             </a:pPr>
             <a:r>
-              <a:rPr lang="en-GB" altLang="en-US" sz="2600" dirty="0"/>
+              <a:rPr lang="en-GB" altLang="en-US" sz="2500" dirty="0"/>
               <a:t>How? Heuristic constructions:</a:t>
             </a:r>
           </a:p>
@@ -43455,7 +43444,7 @@
               </a:tabLst>
             </a:pPr>
             <a:r>
-              <a:rPr lang="en-GB" altLang="en-US" sz="2600" dirty="0"/>
+              <a:rPr lang="en-GB" altLang="en-US" sz="2500" dirty="0"/>
               <a:t>Are these secure assuming CRHF? OWF? Both? </a:t>
             </a:r>
           </a:p>
@@ -43482,8 +43471,12 @@
               </a:tabLst>
             </a:pPr>
             <a:r>
+              <a:rPr lang="en-GB" altLang="en-US" sz="2500" dirty="0"/>
+              <a:t>No.</a:t>
+            </a:r>
+            <a:r>
               <a:rPr lang="en-GB" altLang="en-US" sz="2800" dirty="0"/>
-              <a:t>No. </a:t>
+              <a:t> </a:t>
             </a:r>
           </a:p>
           <a:p>
@@ -43730,7 +43723,7 @@
             <p:spPr>
               <a:xfrm>
                 <a:off x="216724" y="1279005"/>
-                <a:ext cx="8835242" cy="3492367"/>
+                <a:ext cx="8835242" cy="4231031"/>
               </a:xfrm>
               <a:extLst>
                 <a:ext uri="{91240B29-F687-4F45-9708-019B960494DF}">
@@ -43767,13 +43760,13 @@
                   </a:tabLst>
                 </a:pPr>
                 <a:r>
-                  <a:rPr lang="en-GB" altLang="en-US" sz="2400" dirty="0"/>
+                  <a:rPr lang="en-GB" altLang="en-US" sz="2500" dirty="0"/>
                   <a:t>HMAC uses an unkeyed hash function </a:t>
                 </a:r>
                 <a14:m>
                   <m:oMath xmlns:m="http://schemas.openxmlformats.org/officeDocument/2006/math">
                     <m:r>
-                      <a:rPr lang="en-GB" altLang="en-US" sz="2400" i="1" dirty="0">
+                      <a:rPr lang="en-GB" altLang="en-US" sz="2500" i="1" dirty="0">
                         <a:latin typeface="Cambria Math" panose="02040503050406030204" pitchFamily="18" charset="0"/>
                       </a:rPr>
                       <m:t>h</m:t>
@@ -43781,7 +43774,7 @@
                   </m:oMath>
                 </a14:m>
                 <a:r>
-                  <a:rPr lang="en-GB" altLang="en-US" sz="2400" dirty="0"/>
+                  <a:rPr lang="en-GB" altLang="en-US" sz="2500" dirty="0"/>
                   <a:t>:</a:t>
                 </a:r>
               </a:p>
@@ -43804,77 +43797,77 @@
                   </a:tabLst>
                 </a:pPr>
                 <a:r>
-                  <a:rPr lang="en-GB" altLang="en-US" sz="2400" i="1" dirty="0" err="1">
+                  <a:rPr lang="en-GB" altLang="en-US" sz="2500" i="1" dirty="0" err="1">
                     <a:latin typeface="Times New Roman" pitchFamily="18" charset="0"/>
                     <a:cs typeface="Times New Roman" pitchFamily="18" charset="0"/>
                   </a:rPr>
                   <a:t>HMAC</a:t>
                 </a:r>
                 <a:r>
-                  <a:rPr lang="en-GB" altLang="en-US" sz="2400" b="1" i="1" baseline="-30000" dirty="0" err="1">
+                  <a:rPr lang="en-GB" altLang="en-US" sz="2500" b="1" i="1" baseline="-30000" dirty="0" err="1">
                     <a:latin typeface="Times New Roman" pitchFamily="18" charset="0"/>
                     <a:cs typeface="Times New Roman" pitchFamily="18" charset="0"/>
                   </a:rPr>
                   <a:t>k</a:t>
                 </a:r>
                 <a:r>
-                  <a:rPr lang="en-GB" altLang="en-US" sz="2400" i="1" dirty="0">
+                  <a:rPr lang="en-GB" altLang="en-US" sz="2500" i="1" dirty="0">
                     <a:latin typeface="Times New Roman" pitchFamily="18" charset="0"/>
                     <a:cs typeface="Times New Roman" pitchFamily="18" charset="0"/>
                   </a:rPr>
                   <a:t>(x)=h(k</a:t>
                 </a:r>
                 <a:r>
-                  <a:rPr lang="en-GB" altLang="en-US" sz="2400" i="1" dirty="0">
+                  <a:rPr lang="en-GB" altLang="en-US" sz="2500" i="1" dirty="0">
                     <a:latin typeface="Symbol" pitchFamily="18" charset="2"/>
                     <a:cs typeface="Times New Roman" pitchFamily="18" charset="0"/>
                   </a:rPr>
                   <a:t></a:t>
                 </a:r>
                 <a:r>
-                  <a:rPr lang="en-GB" altLang="en-US" sz="2400" i="1" dirty="0">
+                  <a:rPr lang="en-GB" altLang="en-US" sz="2500" i="1" dirty="0">
                     <a:latin typeface="Times New Roman" pitchFamily="18" charset="0"/>
                     <a:cs typeface="Times New Roman" pitchFamily="18" charset="0"/>
                   </a:rPr>
                   <a:t> </a:t>
                 </a:r>
                 <a:r>
-                  <a:rPr lang="en-GB" altLang="en-US" sz="2400" i="1" dirty="0" err="1">
+                  <a:rPr lang="en-GB" altLang="en-US" sz="2500" i="1" dirty="0" err="1">
                     <a:latin typeface="Times New Roman" pitchFamily="18" charset="0"/>
                     <a:cs typeface="Times New Roman" pitchFamily="18" charset="0"/>
                   </a:rPr>
                   <a:t>opad</a:t>
                 </a:r>
                 <a:r>
-                  <a:rPr lang="en-GB" altLang="en-US" sz="2400" i="1" dirty="0">
+                  <a:rPr lang="en-GB" altLang="en-US" sz="2500" i="1" dirty="0">
                     <a:latin typeface="Times New Roman" pitchFamily="18" charset="0"/>
                     <a:cs typeface="Times New Roman" pitchFamily="18" charset="0"/>
                   </a:rPr>
                   <a:t> || h(k </a:t>
                 </a:r>
                 <a:r>
-                  <a:rPr lang="en-GB" altLang="en-US" sz="2400" i="1" dirty="0">
+                  <a:rPr lang="en-GB" altLang="en-US" sz="2500" i="1" dirty="0">
                     <a:latin typeface="Symbol" pitchFamily="18" charset="2"/>
                     <a:cs typeface="Times New Roman" pitchFamily="18" charset="0"/>
                   </a:rPr>
                   <a:t></a:t>
                 </a:r>
                 <a:r>
-                  <a:rPr lang="en-GB" altLang="en-US" sz="2400" i="1" dirty="0">
+                  <a:rPr lang="en-GB" altLang="en-US" sz="2500" i="1" dirty="0">
                     <a:latin typeface="Times New Roman" pitchFamily="18" charset="0"/>
                     <a:cs typeface="Times New Roman" pitchFamily="18" charset="0"/>
                   </a:rPr>
                   <a:t> </a:t>
                 </a:r>
                 <a:r>
-                  <a:rPr lang="en-GB" altLang="en-US" sz="2400" i="1" dirty="0" err="1">
+                  <a:rPr lang="en-GB" altLang="en-US" sz="2500" i="1" dirty="0" err="1">
                     <a:latin typeface="Times New Roman" pitchFamily="18" charset="0"/>
                     <a:cs typeface="Times New Roman" pitchFamily="18" charset="0"/>
                   </a:rPr>
                   <a:t>ipad</a:t>
                 </a:r>
                 <a:r>
-                  <a:rPr lang="en-GB" altLang="en-US" sz="2400" i="1" dirty="0">
+                  <a:rPr lang="en-GB" altLang="en-US" sz="2500" i="1" dirty="0">
                     <a:latin typeface="Times New Roman" pitchFamily="18" charset="0"/>
                     <a:cs typeface="Times New Roman" pitchFamily="18" charset="0"/>
                   </a:rPr>
@@ -43898,40 +43891,40 @@
                   </a:tabLst>
                 </a:pPr>
                 <a:r>
-                  <a:rPr lang="en-GB" altLang="en-US" sz="2400" i="1" dirty="0" err="1">
+                  <a:rPr lang="en-GB" altLang="en-US" sz="2500" i="1" dirty="0" err="1">
                     <a:latin typeface="Times New Roman" pitchFamily="18" charset="0"/>
                     <a:cs typeface="Times New Roman" pitchFamily="18" charset="0"/>
                   </a:rPr>
                   <a:t>opad</a:t>
                 </a:r>
                 <a:r>
-                  <a:rPr lang="en-GB" altLang="en-US" sz="2400" i="1" dirty="0">
+                  <a:rPr lang="en-GB" altLang="en-US" sz="2500" i="1" dirty="0">
                     <a:latin typeface="Times New Roman" pitchFamily="18" charset="0"/>
                     <a:cs typeface="Times New Roman" pitchFamily="18" charset="0"/>
                   </a:rPr>
                   <a:t>, </a:t>
                 </a:r>
                 <a:r>
-                  <a:rPr lang="en-GB" altLang="en-US" sz="2400" i="1" dirty="0" err="1">
+                  <a:rPr lang="en-GB" altLang="en-US" sz="2500" i="1" dirty="0" err="1">
                     <a:latin typeface="Times New Roman" pitchFamily="18" charset="0"/>
                     <a:cs typeface="Times New Roman" pitchFamily="18" charset="0"/>
                   </a:rPr>
                   <a:t>ipad</a:t>
                 </a:r>
                 <a:r>
-                  <a:rPr lang="en-GB" altLang="en-US" sz="2400" i="1" dirty="0">
+                  <a:rPr lang="en-GB" altLang="en-US" sz="2500" i="1" dirty="0">
                     <a:latin typeface="Times New Roman" pitchFamily="18" charset="0"/>
                     <a:cs typeface="Times New Roman" pitchFamily="18" charset="0"/>
                   </a:rPr>
                   <a:t>: </a:t>
                 </a:r>
                 <a:r>
-                  <a:rPr lang="en-GB" altLang="en-US" sz="2400" dirty="0"/>
+                  <a:rPr lang="en-GB" altLang="en-US" sz="2500" dirty="0"/>
                   <a:t>fixed sequences (of 36x, 5Cx resp.)</a:t>
                 </a:r>
               </a:p>
               <a:p>
-                <a:pPr marL="668338" lvl="1" indent="-341313" defTabSz="449263" eaLnBrk="1" hangingPunct="1">
+                <a:pPr marL="341313" indent="-341313" defTabSz="449263" eaLnBrk="1" hangingPunct="1">
                   <a:tabLst>
                     <a:tab pos="911225" algn="l"/>
                     <a:tab pos="1825625" algn="l"/>
@@ -43947,7 +43940,7 @@
                   </a:tabLst>
                 </a:pPr>
                 <a:r>
-                  <a:rPr lang="en-GB" altLang="en-US" sz="2000" dirty="0"/>
+                  <a:rPr lang="en-GB" altLang="en-US" sz="2500" dirty="0"/>
                   <a:t>It is a secure MAC under ‘reasonable assumptions’ [beyond our scope]</a:t>
                 </a:r>
               </a:p>
@@ -43968,7 +43961,7 @@
                   </a:tabLst>
                 </a:pPr>
                 <a:r>
-                  <a:rPr lang="en-GB" altLang="en-US" sz="2400" dirty="0"/>
+                  <a:rPr lang="en-GB" altLang="en-US" sz="2500" dirty="0"/>
                   <a:t>Widely deployed </a:t>
                 </a:r>
               </a:p>
@@ -43989,11 +43982,11 @@
                   </a:tabLst>
                 </a:pPr>
                 <a:r>
-                  <a:rPr lang="en-GB" altLang="en-US" sz="2400" dirty="0"/>
+                  <a:rPr lang="en-GB" altLang="en-US" sz="2500" dirty="0"/>
                   <a:t>More results, more exposure </a:t>
                 </a:r>
                 <a:r>
-                  <a:rPr lang="en-GB" altLang="en-US" sz="2400" dirty="0">
+                  <a:rPr lang="en-GB" altLang="en-US" sz="2500" dirty="0">
                     <a:sym typeface="Wingdings" panose="05000000000000000000" pitchFamily="2" charset="2"/>
                   </a:rPr>
                   <a:t> confidence!</a:t>
@@ -44016,7 +44009,7 @@
                   </a:tabLst>
                 </a:pPr>
                 <a:r>
-                  <a:rPr lang="en-GB" altLang="en-US" sz="2400" dirty="0">
+                  <a:rPr lang="en-GB" altLang="en-US" sz="2500" dirty="0">
                     <a:sym typeface="Wingdings" panose="05000000000000000000" pitchFamily="2" charset="2"/>
                   </a:rPr>
                   <a:t>Hash functions are useful for MACs in another way:</a:t>
@@ -44039,12 +44032,12 @@
                   </a:tabLst>
                 </a:pPr>
                 <a:r>
-                  <a:rPr lang="en-GB" altLang="en-US" sz="2400" dirty="0">
+                  <a:rPr lang="en-GB" altLang="en-US" sz="2500" dirty="0">
                     <a:sym typeface="Wingdings" panose="05000000000000000000" pitchFamily="2" charset="2"/>
                   </a:rPr>
                   <a:t>Hash then MAC for efficiency.</a:t>
                 </a:r>
-                <a:endParaRPr lang="en-GB" altLang="en-US" sz="2400" dirty="0"/>
+                <a:endParaRPr lang="en-GB" altLang="en-US" sz="2500" dirty="0"/>
               </a:p>
             </p:txBody>
           </p:sp>
@@ -44063,12 +44056,12 @@
             <p:spPr>
               <a:xfrm>
                 <a:off x="216724" y="1279005"/>
-                <a:ext cx="8835242" cy="3492367"/>
+                <a:ext cx="8835242" cy="4231031"/>
               </a:xfrm>
               <a:blipFill>
                 <a:blip r:embed="rId3"/>
                 <a:stretch>
-                  <a:fillRect l="-287" t="-1449" r="-431" b="-2899"/>
+                  <a:fillRect l="-431" t="-1198"/>
                 </a:stretch>
               </a:blipFill>
               <a:extLst>
@@ -44197,7 +44190,7 @@
               <a:lstStyle/>
               <a:p>
                 <a:r>
-                  <a:rPr lang="en-US" dirty="0"/>
+                  <a:rPr lang="en-US" sz="2600" dirty="0"/>
                   <a:t>Generalization of collision-resistant hash</a:t>
                 </a:r>
               </a:p>
@@ -44248,7 +44241,7 @@
               </a:p>
               <a:p>
                 <a:r>
-                  <a:rPr lang="en-US" dirty="0"/>
+                  <a:rPr lang="en-US" sz="2600" dirty="0"/>
                   <a:t>Collision resistance accumulator means that it is hard to find two different message lists that have the same digest.</a:t>
                 </a:r>
               </a:p>
@@ -44270,7 +44263,7 @@
               <a:blipFill>
                 <a:blip r:embed="rId2"/>
                 <a:stretch>
-                  <a:fillRect l="-617" t="-1527"/>
+                  <a:fillRect l="-463" t="-1272" r="-1852"/>
                 </a:stretch>
               </a:blipFill>
             </p:spPr>
@@ -44405,13 +44398,13 @@
               <a:lstStyle/>
               <a:p>
                 <a:r>
-                  <a:rPr lang="en-US" sz="2800" dirty="0"/>
+                  <a:rPr lang="en-US" sz="2600" dirty="0"/>
                   <a:t>Digest function </a:t>
                 </a:r>
                 <a14:m>
                   <m:oMath xmlns:m="http://schemas.openxmlformats.org/officeDocument/2006/math">
                     <m:r>
-                      <a:rPr lang="en-US" sz="2800" b="1" i="1" smtClean="0">
+                      <a:rPr lang="en-US" sz="2600" b="1" i="1" smtClean="0">
                         <a:latin typeface="Cambria Math" panose="02040503050406030204" pitchFamily="18" charset="0"/>
                         <a:ea typeface="Cambria Math" panose="02040503050406030204" pitchFamily="18" charset="0"/>
                       </a:rPr>
@@ -44422,7 +44415,7 @@
                         <m:begChr m:val="{"/>
                         <m:endChr m:val="}"/>
                         <m:ctrlPr>
-                          <a:rPr lang="en-US" sz="2800" b="1" i="1" smtClean="0">
+                          <a:rPr lang="en-US" sz="2600" b="1" i="1" smtClean="0">
                             <a:latin typeface="Cambria Math" panose="02040503050406030204" pitchFamily="18" charset="0"/>
                             <a:ea typeface="Cambria Math" panose="02040503050406030204" pitchFamily="18" charset="0"/>
                           </a:rPr>
@@ -44432,7 +44425,7 @@
                         <m:sSub>
                           <m:sSubPr>
                             <m:ctrlPr>
-                              <a:rPr lang="en-US" sz="2800" i="1" smtClean="0">
+                              <a:rPr lang="en-US" sz="2600" i="1" smtClean="0">
                                 <a:latin typeface="Cambria Math" panose="02040503050406030204" pitchFamily="18" charset="0"/>
                                 <a:ea typeface="Cambria Math" panose="02040503050406030204" pitchFamily="18" charset="0"/>
                               </a:rPr>
@@ -44440,7 +44433,7 @@
                           </m:sSubPr>
                           <m:e>
                             <m:r>
-                              <a:rPr lang="en-US" sz="2800" b="0" i="1" smtClean="0">
+                              <a:rPr lang="en-US" sz="2600" b="0" i="1" smtClean="0">
                                 <a:latin typeface="Cambria Math" panose="02040503050406030204" pitchFamily="18" charset="0"/>
                                 <a:ea typeface="Cambria Math" panose="02040503050406030204" pitchFamily="18" charset="0"/>
                               </a:rPr>
@@ -44449,7 +44442,7 @@
                           </m:e>
                           <m:sub>
                             <m:r>
-                              <a:rPr lang="en-US" sz="2800" b="0" i="1" smtClean="0">
+                              <a:rPr lang="en-US" sz="2600" b="0" i="1" smtClean="0">
                                 <a:latin typeface="Cambria Math" panose="02040503050406030204" pitchFamily="18" charset="0"/>
                                 <a:ea typeface="Cambria Math" panose="02040503050406030204" pitchFamily="18" charset="0"/>
                               </a:rPr>
@@ -44458,7 +44451,7 @@
                           </m:sub>
                         </m:sSub>
                         <m:r>
-                          <a:rPr lang="en-US" sz="2800" b="0" i="1" smtClean="0">
+                          <a:rPr lang="en-US" sz="2600" b="0" i="1" smtClean="0">
                             <a:latin typeface="Cambria Math" panose="02040503050406030204" pitchFamily="18" charset="0"/>
                             <a:ea typeface="Cambria Math" panose="02040503050406030204" pitchFamily="18" charset="0"/>
                           </a:rPr>
@@ -44467,7 +44460,7 @@
                         <m:sSup>
                           <m:sSupPr>
                             <m:ctrlPr>
-                              <a:rPr lang="en-US" sz="2800" i="1" smtClean="0">
+                              <a:rPr lang="en-US" sz="2600" i="1" smtClean="0">
                                 <a:latin typeface="Cambria Math" panose="02040503050406030204" pitchFamily="18" charset="0"/>
                                 <a:ea typeface="Cambria Math" panose="02040503050406030204" pitchFamily="18" charset="0"/>
                               </a:rPr>
@@ -44479,7 +44472,7 @@
                                 <m:begChr m:val="{"/>
                                 <m:endChr m:val="}"/>
                                 <m:ctrlPr>
-                                  <a:rPr lang="en-US" sz="2800" i="1">
+                                  <a:rPr lang="en-US" sz="2600" i="1">
                                     <a:latin typeface="Cambria Math" panose="02040503050406030204" pitchFamily="18" charset="0"/>
                                     <a:ea typeface="Cambria Math" panose="02040503050406030204" pitchFamily="18" charset="0"/>
                                   </a:rPr>
@@ -44487,7 +44480,7 @@
                               </m:dPr>
                               <m:e>
                                 <m:r>
-                                  <a:rPr lang="en-US" sz="2800" b="0" i="1">
+                                  <a:rPr lang="en-US" sz="2600" b="0" i="1">
                                     <a:latin typeface="Cambria Math" panose="02040503050406030204" pitchFamily="18" charset="0"/>
                                     <a:ea typeface="Cambria Math" panose="02040503050406030204" pitchFamily="18" charset="0"/>
                                   </a:rPr>
@@ -44498,7 +44491,7 @@
                           </m:e>
                           <m:sup>
                             <m:r>
-                              <a:rPr lang="en-US" sz="2800" b="0" i="1" smtClean="0">
+                              <a:rPr lang="en-US" sz="2600" b="0" i="1" smtClean="0">
                                 <a:latin typeface="Cambria Math" panose="02040503050406030204" pitchFamily="18" charset="0"/>
                                 <a:ea typeface="Cambria Math" panose="02040503050406030204" pitchFamily="18" charset="0"/>
                               </a:rPr>
@@ -44509,7 +44502,7 @@
                       </m:e>
                     </m:d>
                     <m:r>
-                      <a:rPr lang="en-US" sz="2800" b="1" i="1" smtClean="0">
+                      <a:rPr lang="en-US" sz="2600" b="1" i="1" smtClean="0">
                         <a:latin typeface="Cambria Math" panose="02040503050406030204" pitchFamily="18" charset="0"/>
                         <a:ea typeface="Cambria Math" panose="02040503050406030204" pitchFamily="18" charset="0"/>
                       </a:rPr>
@@ -44518,7 +44511,7 @@
                     <m:sSup>
                       <m:sSupPr>
                         <m:ctrlPr>
-                          <a:rPr lang="en-US" sz="2800" b="1" i="1" smtClean="0">
+                          <a:rPr lang="en-US" sz="2600" b="1" i="1" smtClean="0">
                             <a:latin typeface="Cambria Math" panose="02040503050406030204" pitchFamily="18" charset="0"/>
                             <a:ea typeface="Cambria Math" panose="02040503050406030204" pitchFamily="18" charset="0"/>
                           </a:rPr>
@@ -44530,7 +44523,7 @@
                             <m:begChr m:val="{"/>
                             <m:endChr m:val="}"/>
                             <m:ctrlPr>
-                              <a:rPr lang="en-US" sz="2800" i="1">
+                              <a:rPr lang="en-US" sz="2600" i="1">
                                 <a:latin typeface="Cambria Math" panose="02040503050406030204" pitchFamily="18" charset="0"/>
                                 <a:ea typeface="Cambria Math" panose="02040503050406030204" pitchFamily="18" charset="0"/>
                               </a:rPr>
@@ -44538,7 +44531,7 @@
                           </m:dPr>
                           <m:e>
                             <m:r>
-                              <a:rPr lang="en-US" sz="2800" i="1">
+                              <a:rPr lang="en-US" sz="2600" i="1">
                                 <a:latin typeface="Cambria Math" panose="02040503050406030204" pitchFamily="18" charset="0"/>
                                 <a:ea typeface="Cambria Math" panose="02040503050406030204" pitchFamily="18" charset="0"/>
                               </a:rPr>
@@ -44549,7 +44542,7 @@
                       </m:e>
                       <m:sup>
                         <m:r>
-                          <a:rPr lang="en-US" sz="2800" b="1" i="1" smtClean="0">
+                          <a:rPr lang="en-US" sz="2600" b="1" i="1" smtClean="0">
                             <a:latin typeface="Cambria Math" panose="02040503050406030204" pitchFamily="18" charset="0"/>
                             <a:ea typeface="Cambria Math" panose="02040503050406030204" pitchFamily="18" charset="0"/>
                           </a:rPr>
@@ -44559,7 +44552,7 @@
                     </m:sSup>
                   </m:oMath>
                 </a14:m>
-                <a:endParaRPr lang="en-US" sz="2800" dirty="0"/>
+                <a:endParaRPr lang="en-US" sz="2600" dirty="0"/>
               </a:p>
               <a:p>
                 <a:pPr lvl="1"/>
@@ -44577,13 +44570,13 @@
               </a:p>
               <a:p>
                 <a:r>
-                  <a:rPr lang="en-US" sz="2800" dirty="0"/>
+                  <a:rPr lang="en-US" sz="2600" dirty="0"/>
                   <a:t>Validation of Inclusion: </a:t>
                 </a:r>
                 <a14:m>
                   <m:oMath xmlns:m="http://schemas.openxmlformats.org/officeDocument/2006/math">
                     <m:r>
-                      <a:rPr lang="en-US" sz="2800" i="1" dirty="0" smtClean="0">
+                      <a:rPr lang="en-US" sz="2600" i="1" dirty="0" smtClean="0">
                         <a:latin typeface="Cambria Math" panose="02040503050406030204" pitchFamily="18" charset="0"/>
                       </a:rPr>
                       <m:t>𝑃𝑜𝐼</m:t>
@@ -44591,20 +44584,20 @@
                   </m:oMath>
                 </a14:m>
                 <a:r>
-                  <a:rPr lang="en-US" sz="2800" dirty="0"/>
+                  <a:rPr lang="en-US" sz="2600" dirty="0"/>
                   <a:t> and </a:t>
                 </a:r>
                 <a14:m>
                   <m:oMath xmlns:m="http://schemas.openxmlformats.org/officeDocument/2006/math">
                     <m:r>
-                      <a:rPr lang="en-US" sz="2800" i="1" dirty="0" smtClean="0">
+                      <a:rPr lang="en-US" sz="2600" i="1" dirty="0" smtClean="0">
                         <a:latin typeface="Cambria Math" panose="02040503050406030204" pitchFamily="18" charset="0"/>
                       </a:rPr>
                       <m:t>𝑉𝑒𝑟𝑃𝑜𝐼</m:t>
                     </m:r>
                   </m:oMath>
                 </a14:m>
-                <a:endParaRPr lang="en-US" sz="2800" dirty="0"/>
+                <a:endParaRPr lang="en-US" sz="2600" dirty="0"/>
               </a:p>
               <a:p>
                 <a:pPr lvl="1"/>
@@ -44649,19 +44642,19 @@
               </a:p>
               <a:p>
                 <a:r>
-                  <a:rPr lang="en-US" sz="2800" dirty="0"/>
+                  <a:rPr lang="en-US" sz="2600" dirty="0"/>
                   <a:t>Extending the Sequence: Extend function with optional </a:t>
                 </a:r>
                 <a14:m>
                   <m:oMath xmlns:m="http://schemas.openxmlformats.org/officeDocument/2006/math">
                     <m:r>
-                      <a:rPr lang="en-US" sz="2800" i="1" dirty="0" smtClean="0">
+                      <a:rPr lang="en-US" sz="2600" i="1" dirty="0" smtClean="0">
                         <a:latin typeface="Cambria Math" panose="02040503050406030204" pitchFamily="18" charset="0"/>
                       </a:rPr>
                       <m:t>𝑃𝑜</m:t>
                     </m:r>
                     <m:r>
-                      <a:rPr lang="en-US" sz="2800" b="0" i="1" dirty="0" smtClean="0">
+                      <a:rPr lang="en-US" sz="2600" b="0" i="1" dirty="0" smtClean="0">
                         <a:latin typeface="Cambria Math" panose="02040503050406030204" pitchFamily="18" charset="0"/>
                       </a:rPr>
                       <m:t>𝐶</m:t>
@@ -44669,26 +44662,26 @@
                   </m:oMath>
                 </a14:m>
                 <a:r>
-                  <a:rPr lang="en-US" sz="2800" dirty="0"/>
+                  <a:rPr lang="en-US" sz="2600" dirty="0"/>
                   <a:t> and </a:t>
                 </a:r>
                 <a14:m>
                   <m:oMath xmlns:m="http://schemas.openxmlformats.org/officeDocument/2006/math">
                     <m:r>
-                      <a:rPr lang="en-US" sz="2800" i="1" dirty="0" smtClean="0">
+                      <a:rPr lang="en-US" sz="2600" i="1" dirty="0" smtClean="0">
                         <a:latin typeface="Cambria Math" panose="02040503050406030204" pitchFamily="18" charset="0"/>
                       </a:rPr>
                       <m:t>𝑉𝑒𝑟𝑃𝑜</m:t>
                     </m:r>
                     <m:r>
-                      <a:rPr lang="en-US" sz="2800" b="0" i="1" dirty="0" smtClean="0">
+                      <a:rPr lang="en-US" sz="2600" b="0" i="1" dirty="0" smtClean="0">
                         <a:latin typeface="Cambria Math" panose="02040503050406030204" pitchFamily="18" charset="0"/>
                       </a:rPr>
                       <m:t>𝐶</m:t>
                     </m:r>
                   </m:oMath>
                 </a14:m>
-                <a:endParaRPr lang="en-US" sz="2800" dirty="0"/>
+                <a:endParaRPr lang="en-US" sz="2600" dirty="0"/>
               </a:p>
               <a:p>
                 <a:pPr lvl="1"/>
@@ -44764,7 +44757,7 @@
               <a:blipFill>
                 <a:blip r:embed="rId2"/>
                 <a:stretch>
-                  <a:fillRect l="-454" t="-1272" b="-3817"/>
+                  <a:fillRect l="-454" t="-1272" b="-1272"/>
                 </a:stretch>
               </a:blipFill>
             </p:spPr>
@@ -45379,23 +45372,23 @@
           </a:lstStyle>
           <a:p>
             <a:r>
-              <a:rPr lang="en-US" sz="2800" kern="0" dirty="0"/>
+              <a:rPr lang="en-US" sz="2600" kern="0" dirty="0"/>
               <a:t>Correctness means that on input a valid </a:t>
             </a:r>
             <a:r>
-              <a:rPr lang="en-US" sz="2800" kern="0" dirty="0" err="1"/>
+              <a:rPr lang="en-US" sz="2600" kern="0" dirty="0" err="1"/>
               <a:t>PoI</a:t>
             </a:r>
             <a:r>
-              <a:rPr lang="en-US" sz="2800" kern="0" dirty="0"/>
+              <a:rPr lang="en-US" sz="2600" kern="0" dirty="0"/>
               <a:t>, </a:t>
             </a:r>
             <a:r>
-              <a:rPr lang="en-US" sz="2800" kern="0" dirty="0" err="1"/>
+              <a:rPr lang="en-US" sz="2600" kern="0" dirty="0" err="1"/>
               <a:t>VerPoI</a:t>
             </a:r>
             <a:r>
-              <a:rPr lang="en-US" sz="2800" kern="0" dirty="0"/>
+              <a:rPr lang="en-US" sz="2600" kern="0" dirty="0"/>
               <a:t> will output 1.</a:t>
             </a:r>
           </a:p>
@@ -45408,32 +45401,31 @@
           </a:p>
           <a:p>
             <a:r>
-              <a:rPr lang="en-US" sz="2800" kern="0" dirty="0"/>
+              <a:rPr lang="en-US" sz="2600" kern="0" dirty="0"/>
               <a:t>For </a:t>
             </a:r>
             <a:r>
-              <a:rPr lang="en-US" sz="2800" kern="0" dirty="0" err="1"/>
+              <a:rPr lang="en-US" sz="2600" kern="0" dirty="0" err="1"/>
               <a:t>PoI</a:t>
             </a:r>
             <a:r>
-              <a:rPr lang="en-US" sz="2800" kern="0" dirty="0"/>
+              <a:rPr lang="en-US" sz="2600" kern="0" dirty="0"/>
               <a:t>: security means that a PPT adversary cannot forge a valid </a:t>
             </a:r>
             <a:r>
-              <a:rPr lang="en-US" sz="2800" kern="0" dirty="0" err="1"/>
+              <a:rPr lang="en-US" sz="2600" kern="0" dirty="0" err="1"/>
               <a:t>PoI</a:t>
             </a:r>
             <a:r>
-              <a:rPr lang="en-US" sz="2800" kern="0" dirty="0"/>
+              <a:rPr lang="en-US" sz="2600" kern="0" dirty="0"/>
               <a:t> for a message that is no the hashed list.</a:t>
             </a:r>
           </a:p>
           <a:p>
             <a:r>
-              <a:rPr lang="en-US" sz="2400" kern="0" dirty="0"/>
+              <a:rPr lang="en-US" sz="2600" kern="0" dirty="0"/>
               <a:t>For PoC: security means that a PPT adversary cannot forge a valid PoC for an invalid digest extension.</a:t>
             </a:r>
-            <a:endParaRPr lang="en-US" sz="2000" kern="0" dirty="0"/>
           </a:p>
           <a:p>
             <a:endParaRPr lang="en-US" sz="2400" kern="0" dirty="0"/>
@@ -45716,8 +45708,8 @@
           </a:p>
         </p:txBody>
       </p:sp>
-      <mc:AlternateContent xmlns:mc="http://schemas.openxmlformats.org/markup-compatibility/2006">
-        <mc:Choice xmlns:a14="http://schemas.microsoft.com/office/drawing/2010/main" Requires="a14">
+      <mc:AlternateContent xmlns:mc="http://schemas.openxmlformats.org/markup-compatibility/2006" xmlns:a14="http://schemas.microsoft.com/office/drawing/2010/main">
+        <mc:Choice Requires="a14">
           <p:sp>
             <p:nvSpPr>
               <p:cNvPr id="76807" name="Rectangle 15"/>
@@ -46500,7 +46492,7 @@
             </p:txBody>
           </p:sp>
         </mc:Choice>
-        <mc:Fallback>
+        <mc:Fallback xmlns="">
           <p:sp>
             <p:nvSpPr>
               <p:cNvPr id="76807" name="Rectangle 15"/>
